--- a/thématique SI/005 Décomposer le SI/realisation/ppt/décomposer le SI.pptx
+++ b/thématique SI/005 Décomposer le SI/realisation/ppt/décomposer le SI.pptx
@@ -109,6 +109,11 @@
       </a:defRPr>
     </a:lvl9pPr>
   </p:defaultTextStyle>
+  <p:extLst>
+    <p:ext uri="{EFAFB233-063F-42B5-8137-9DF3F51BA10A}">
+      <p15:sldGuideLst xmlns:p15="http://schemas.microsoft.com/office/powerpoint/2012/main"/>
+    </p:ext>
+  </p:extLst>
 </p:presentation>
 </file>
 
@@ -194,7 +199,7 @@
           <a:p>
             <a:fld id="{7E94BCED-7125-4BE0-8CE8-0E4D6EA1D893}" type="datetimeFigureOut">
               <a:rPr lang="fr-FR" smtClean="0"/>
-              <a:t>15/05/2023</a:t>
+              <a:t>09/06/2023</a:t>
             </a:fld>
             <a:endParaRPr lang="fr-FR"/>
           </a:p>
@@ -511,21 +516,58 @@
             </a:r>
           </a:p>
           <a:p>
+            <a:endParaRPr lang="fr-FR" dirty="0"/>
+          </a:p>
+          <a:p>
             <a:r>
               <a:rPr lang="fr-FR" dirty="0"/>
-              <a:t>Un acteur peut accéder à de l'information. De l'information peut aussi lui être envoyée, via sa messagerie par exemple.</a:t>
-            </a:r>
+              <a:t>Un acteur peut accéder à de l'information.</a:t>
+            </a:r>
+          </a:p>
+          <a:p>
+            <a:endParaRPr lang="fr-FR" dirty="0"/>
           </a:p>
           <a:p>
             <a:r>
               <a:rPr lang="fr-FR" dirty="0"/>
-              <a:t>Il peut être engagé dans l'exécution d'une activité au sein d'un processus. Il peut aussi être tenu informé sur la performance d'un autre processus.</a:t>
-            </a:r>
+              <a:t>De l'information peut aussi lui être envoyée, via sa messagerie par exemple.</a:t>
+            </a:r>
+          </a:p>
+          <a:p>
+            <a:endParaRPr lang="fr-FR" dirty="0"/>
           </a:p>
           <a:p>
             <a:r>
               <a:rPr lang="fr-FR" dirty="0"/>
-              <a:t>Les processus dématérialisés de traitement de l'information consomment et produisent de l'information.</a:t>
+              <a:t>Il peut être engagé dans l'exécution d'une activité au sein d'un processus.</a:t>
+            </a:r>
+          </a:p>
+          <a:p>
+            <a:endParaRPr lang="fr-FR" dirty="0"/>
+          </a:p>
+          <a:p>
+            <a:r>
+              <a:rPr lang="fr-FR" dirty="0"/>
+              <a:t>Il peut aussi être tenu informé sur la performance d'un autre processus.</a:t>
+            </a:r>
+          </a:p>
+          <a:p>
+            <a:endParaRPr lang="fr-FR" dirty="0"/>
+          </a:p>
+          <a:p>
+            <a:r>
+              <a:rPr lang="fr-FR" dirty="0"/>
+              <a:t>Les processus dématérialisés de traitement de l'information</a:t>
+            </a:r>
+          </a:p>
+          <a:p>
+            <a:r>
+              <a:rPr lang="fr-FR"/>
+              <a:t>  consomment </a:t>
+            </a:r>
+            <a:r>
+              <a:rPr lang="fr-FR" dirty="0"/>
+              <a:t>et produisent de l'information.</a:t>
             </a:r>
           </a:p>
           <a:p>
@@ -632,7 +674,53 @@
             </a:pPr>
             <a:r>
               <a:rPr lang="fr-FR" dirty="0"/>
-              <a:t>Ce système s'appuie sur le système informatique qui correspond à la solution technologique devant répondre aux exigences du STI.</a:t>
+              <a:t>Ce système s'appuie sur le système informatique</a:t>
+            </a:r>
+          </a:p>
+          <a:p>
+            <a:pPr marL="0" marR="0" lvl="0" indent="0" algn="l" defTabSz="914400" rtl="0" eaLnBrk="1" fontAlgn="auto" latinLnBrk="0" hangingPunct="1">
+              <a:lnSpc>
+                <a:spcPct val="100000"/>
+              </a:lnSpc>
+              <a:spcBef>
+                <a:spcPts val="0"/>
+              </a:spcBef>
+              <a:spcAft>
+                <a:spcPts val="0"/>
+              </a:spcAft>
+              <a:buClrTx/>
+              <a:buSzTx/>
+              <a:buFontTx/>
+              <a:buNone/>
+              <a:tabLst/>
+              <a:defRPr/>
+            </a:pPr>
+            <a:r>
+              <a:rPr lang="fr-FR" dirty="0"/>
+              <a:t>  qui correspond à la solution technologique</a:t>
+            </a:r>
+          </a:p>
+          <a:p>
+            <a:pPr marL="0" marR="0" lvl="0" indent="0" algn="l" defTabSz="914400" rtl="0" eaLnBrk="1" fontAlgn="auto" latinLnBrk="0" hangingPunct="1">
+              <a:lnSpc>
+                <a:spcPct val="100000"/>
+              </a:lnSpc>
+              <a:spcBef>
+                <a:spcPts val="0"/>
+              </a:spcBef>
+              <a:spcAft>
+                <a:spcPts val="0"/>
+              </a:spcAft>
+              <a:buClrTx/>
+              <a:buSzTx/>
+              <a:buFontTx/>
+              <a:buNone/>
+              <a:tabLst/>
+              <a:defRPr/>
+            </a:pPr>
+            <a:r>
+              <a:rPr lang="fr-FR" dirty="0"/>
+              <a:t>  devant répondre aux exigences du STI.</a:t>
             </a:r>
           </a:p>
           <a:p>
@@ -722,13 +810,31 @@
           <a:p>
             <a:r>
               <a:rPr lang="fr-FR" dirty="0"/>
-              <a:t>Le S.T.I. correspond à une vue conceptuelle et symbolique, alors que le système informatique correspond à une vue logique &amp; physique.</a:t>
+              <a:t>Le S.T.I. correspond à une vue conceptuelle et symbolique,</a:t>
             </a:r>
           </a:p>
           <a:p>
             <a:r>
               <a:rPr lang="fr-FR" dirty="0"/>
-              <a:t>La première est proche de la maîtrise d'ouvrage et la seconde est une préoccupation de la maîtrise d'œuvre des projets du système d'information.</a:t>
+              <a:t>  alors que le système informatique correspond à une vue logique &amp; physique.</a:t>
+            </a:r>
+          </a:p>
+          <a:p>
+            <a:endParaRPr lang="fr-FR" dirty="0"/>
+          </a:p>
+          <a:p>
+            <a:r>
+              <a:rPr lang="fr-FR" dirty="0"/>
+              <a:t>La première est proche de la maîtrise d'ouvrage.</a:t>
+            </a:r>
+          </a:p>
+          <a:p>
+            <a:endParaRPr lang="fr-FR" dirty="0"/>
+          </a:p>
+          <a:p>
+            <a:r>
+              <a:rPr lang="fr-FR" dirty="0"/>
+              <a:t>La seconde est une préoccupation de la maîtrise d'œuvre des projets du système d'information.</a:t>
             </a:r>
           </a:p>
           <a:p>
@@ -919,7 +1025,7 @@
           <a:p>
             <a:fld id="{C8520E70-BE28-40F2-9304-5CD36B981305}" type="datetimeFigureOut">
               <a:rPr lang="fr-FR" smtClean="0"/>
-              <a:t>15/05/2023</a:t>
+              <a:t>09/06/2023</a:t>
             </a:fld>
             <a:endParaRPr lang="fr-FR"/>
           </a:p>
@@ -1117,7 +1223,7 @@
           <a:p>
             <a:fld id="{C8520E70-BE28-40F2-9304-5CD36B981305}" type="datetimeFigureOut">
               <a:rPr lang="fr-FR" smtClean="0"/>
-              <a:t>15/05/2023</a:t>
+              <a:t>09/06/2023</a:t>
             </a:fld>
             <a:endParaRPr lang="fr-FR"/>
           </a:p>
@@ -1325,7 +1431,7 @@
           <a:p>
             <a:fld id="{C8520E70-BE28-40F2-9304-5CD36B981305}" type="datetimeFigureOut">
               <a:rPr lang="fr-FR" smtClean="0"/>
-              <a:t>15/05/2023</a:t>
+              <a:t>09/06/2023</a:t>
             </a:fld>
             <a:endParaRPr lang="fr-FR"/>
           </a:p>
@@ -1523,7 +1629,7 @@
           <a:p>
             <a:fld id="{C8520E70-BE28-40F2-9304-5CD36B981305}" type="datetimeFigureOut">
               <a:rPr lang="fr-FR" smtClean="0"/>
-              <a:t>15/05/2023</a:t>
+              <a:t>09/06/2023</a:t>
             </a:fld>
             <a:endParaRPr lang="fr-FR"/>
           </a:p>
@@ -1798,7 +1904,7 @@
           <a:p>
             <a:fld id="{C8520E70-BE28-40F2-9304-5CD36B981305}" type="datetimeFigureOut">
               <a:rPr lang="fr-FR" smtClean="0"/>
-              <a:t>15/05/2023</a:t>
+              <a:t>09/06/2023</a:t>
             </a:fld>
             <a:endParaRPr lang="fr-FR"/>
           </a:p>
@@ -2063,7 +2169,7 @@
           <a:p>
             <a:fld id="{C8520E70-BE28-40F2-9304-5CD36B981305}" type="datetimeFigureOut">
               <a:rPr lang="fr-FR" smtClean="0"/>
-              <a:t>15/05/2023</a:t>
+              <a:t>09/06/2023</a:t>
             </a:fld>
             <a:endParaRPr lang="fr-FR"/>
           </a:p>
@@ -2475,7 +2581,7 @@
           <a:p>
             <a:fld id="{C8520E70-BE28-40F2-9304-5CD36B981305}" type="datetimeFigureOut">
               <a:rPr lang="fr-FR" smtClean="0"/>
-              <a:t>15/05/2023</a:t>
+              <a:t>09/06/2023</a:t>
             </a:fld>
             <a:endParaRPr lang="fr-FR"/>
           </a:p>
@@ -2616,7 +2722,7 @@
           <a:p>
             <a:fld id="{C8520E70-BE28-40F2-9304-5CD36B981305}" type="datetimeFigureOut">
               <a:rPr lang="fr-FR" smtClean="0"/>
-              <a:t>15/05/2023</a:t>
+              <a:t>09/06/2023</a:t>
             </a:fld>
             <a:endParaRPr lang="fr-FR"/>
           </a:p>
@@ -2729,7 +2835,7 @@
           <a:p>
             <a:fld id="{C8520E70-BE28-40F2-9304-5CD36B981305}" type="datetimeFigureOut">
               <a:rPr lang="fr-FR" smtClean="0"/>
-              <a:t>15/05/2023</a:t>
+              <a:t>09/06/2023</a:t>
             </a:fld>
             <a:endParaRPr lang="fr-FR"/>
           </a:p>
@@ -3040,7 +3146,7 @@
           <a:p>
             <a:fld id="{C8520E70-BE28-40F2-9304-5CD36B981305}" type="datetimeFigureOut">
               <a:rPr lang="fr-FR" smtClean="0"/>
-              <a:t>15/05/2023</a:t>
+              <a:t>09/06/2023</a:t>
             </a:fld>
             <a:endParaRPr lang="fr-FR"/>
           </a:p>
@@ -3328,7 +3434,7 @@
           <a:p>
             <a:fld id="{C8520E70-BE28-40F2-9304-5CD36B981305}" type="datetimeFigureOut">
               <a:rPr lang="fr-FR" smtClean="0"/>
-              <a:t>15/05/2023</a:t>
+              <a:t>09/06/2023</a:t>
             </a:fld>
             <a:endParaRPr lang="fr-FR"/>
           </a:p>
@@ -3569,7 +3675,7 @@
           <a:p>
             <a:fld id="{C8520E70-BE28-40F2-9304-5CD36B981305}" type="datetimeFigureOut">
               <a:rPr lang="fr-FR" smtClean="0"/>
-              <a:t>15/05/2023</a:t>
+              <a:t>09/06/2023</a:t>
             </a:fld>
             <a:endParaRPr lang="fr-FR"/>
           </a:p>
@@ -4655,11 +4761,11 @@
   <p:clrMapOvr>
     <a:masterClrMapping/>
   </p:clrMapOvr>
-  <mc:AlternateContent xmlns:mc="http://schemas.openxmlformats.org/markup-compatibility/2006">
-    <mc:Choice xmlns:p14="http://schemas.microsoft.com/office/powerpoint/2010/main" Requires="p14">
+  <mc:AlternateContent xmlns:mc="http://schemas.openxmlformats.org/markup-compatibility/2006" xmlns:p14="http://schemas.microsoft.com/office/powerpoint/2010/main">
+    <mc:Choice Requires="p14">
       <p:transition spd="slow" p14:dur="2000" advTm="28382"/>
     </mc:Choice>
-    <mc:Fallback>
+    <mc:Fallback xmlns="">
       <p:transition spd="slow" advTm="28382"/>
     </mc:Fallback>
   </mc:AlternateContent>
@@ -5878,11 +5984,11 @@
   <p:clrMapOvr>
     <a:masterClrMapping/>
   </p:clrMapOvr>
-  <mc:AlternateContent xmlns:mc="http://schemas.openxmlformats.org/markup-compatibility/2006">
-    <mc:Choice xmlns:p14="http://schemas.microsoft.com/office/powerpoint/2010/main" Requires="p14">
+  <mc:AlternateContent xmlns:mc="http://schemas.openxmlformats.org/markup-compatibility/2006" xmlns:p14="http://schemas.microsoft.com/office/powerpoint/2010/main">
+    <mc:Choice Requires="p14">
       <p:transition spd="slow" p14:dur="2000" advTm="8280"/>
     </mc:Choice>
-    <mc:Fallback>
+    <mc:Fallback xmlns="">
       <p:transition spd="slow" advTm="8280"/>
     </mc:Fallback>
   </mc:AlternateContent>
@@ -7187,11 +7293,11 @@
   <p:clrMapOvr>
     <a:masterClrMapping/>
   </p:clrMapOvr>
-  <mc:AlternateContent xmlns:mc="http://schemas.openxmlformats.org/markup-compatibility/2006">
-    <mc:Choice xmlns:p14="http://schemas.microsoft.com/office/powerpoint/2010/main" Requires="p14">
+  <mc:AlternateContent xmlns:mc="http://schemas.openxmlformats.org/markup-compatibility/2006" xmlns:p14="http://schemas.microsoft.com/office/powerpoint/2010/main">
+    <mc:Choice Requires="p14">
       <p:transition spd="slow" p14:dur="2000" advTm="15417"/>
     </mc:Choice>
-    <mc:Fallback>
+    <mc:Fallback xmlns="">
       <p:transition spd="slow" advTm="15417"/>
     </mc:Fallback>
   </mc:AlternateContent>
